--- a/Documentos/MICROSERVICIOS.pptx
+++ b/Documentos/MICROSERVICIOS.pptx
@@ -114,6 +114,35 @@
     </p:ext>
   </p:extLst>
 </p:presentation>
+</file>
+
+<file path=ppt/changesInfos/changesInfo1.xml><?xml version="1.0" encoding="utf-8"?>
+<pc:chgInfo xmlns:a="http://schemas.openxmlformats.org/drawingml/2006/main" xmlns:r="http://schemas.openxmlformats.org/officeDocument/2006/relationships" xmlns:ac="http://schemas.microsoft.com/office/drawing/2013/main/command" xmlns:pc="http://schemas.microsoft.com/office/powerpoint/2013/main/command">
+  <pc:docChgLst>
+    <pc:chgData name="JHON URIBE" userId="4ae69abf28976f09" providerId="LiveId" clId="{68B45A5F-F598-48AC-AEF5-762783CCF294}"/>
+    <pc:docChg chg="modSld">
+      <pc:chgData name="JHON URIBE" userId="4ae69abf28976f09" providerId="LiveId" clId="{68B45A5F-F598-48AC-AEF5-762783CCF294}" dt="2021-08-16T23:34:00.994" v="0" actId="1076"/>
+      <pc:docMkLst>
+        <pc:docMk/>
+      </pc:docMkLst>
+      <pc:sldChg chg="modSp mod">
+        <pc:chgData name="JHON URIBE" userId="4ae69abf28976f09" providerId="LiveId" clId="{68B45A5F-F598-48AC-AEF5-762783CCF294}" dt="2021-08-16T23:34:00.994" v="0" actId="1076"/>
+        <pc:sldMkLst>
+          <pc:docMk/>
+          <pc:sldMk cId="271751930" sldId="258"/>
+        </pc:sldMkLst>
+        <pc:spChg chg="mod">
+          <ac:chgData name="JHON URIBE" userId="4ae69abf28976f09" providerId="LiveId" clId="{68B45A5F-F598-48AC-AEF5-762783CCF294}" dt="2021-08-16T23:34:00.994" v="0" actId="1076"/>
+          <ac:spMkLst>
+            <pc:docMk/>
+            <pc:sldMk cId="271751930" sldId="258"/>
+            <ac:spMk id="16" creationId="{30CA9104-5EDE-4A64-B51F-36DBBF549CA4}"/>
+          </ac:spMkLst>
+        </pc:spChg>
+      </pc:sldChg>
+    </pc:docChg>
+  </pc:docChgLst>
+</pc:chgInfo>
 </file>
 
 <file path=ppt/slideLayouts/slideLayout1.xml><?xml version="1.0" encoding="utf-8"?>
@@ -618,7 +647,7 @@
           <a:p>
             <a:fld id="{BCAEA65C-F05F-4E5F-A1EF-4B33EC4C2E2B}" type="datetimeFigureOut">
               <a:rPr lang="es-CO" smtClean="0"/>
-              <a:t>13/08/2021</a:t>
+              <a:t>16/08/2021</a:t>
             </a:fld>
             <a:endParaRPr lang="es-CO"/>
           </a:p>
@@ -914,7 +943,7 @@
           <a:p>
             <a:fld id="{BCAEA65C-F05F-4E5F-A1EF-4B33EC4C2E2B}" type="datetimeFigureOut">
               <a:rPr lang="es-CO" smtClean="0"/>
-              <a:t>13/08/2021</a:t>
+              <a:t>16/08/2021</a:t>
             </a:fld>
             <a:endParaRPr lang="es-CO"/>
           </a:p>
@@ -1162,7 +1191,7 @@
           <a:p>
             <a:fld id="{BCAEA65C-F05F-4E5F-A1EF-4B33EC4C2E2B}" type="datetimeFigureOut">
               <a:rPr lang="es-CO" smtClean="0"/>
-              <a:t>13/08/2021</a:t>
+              <a:t>16/08/2021</a:t>
             </a:fld>
             <a:endParaRPr lang="es-CO"/>
           </a:p>
@@ -1702,7 +1731,7 @@
           <a:p>
             <a:fld id="{BCAEA65C-F05F-4E5F-A1EF-4B33EC4C2E2B}" type="datetimeFigureOut">
               <a:rPr lang="es-CO" smtClean="0"/>
-              <a:t>13/08/2021</a:t>
+              <a:t>16/08/2021</a:t>
             </a:fld>
             <a:endParaRPr lang="es-CO"/>
           </a:p>
@@ -1950,7 +1979,7 @@
           <a:p>
             <a:fld id="{BCAEA65C-F05F-4E5F-A1EF-4B33EC4C2E2B}" type="datetimeFigureOut">
               <a:rPr lang="es-CO" smtClean="0"/>
-              <a:t>13/08/2021</a:t>
+              <a:t>16/08/2021</a:t>
             </a:fld>
             <a:endParaRPr lang="es-CO"/>
           </a:p>
@@ -2482,7 +2511,7 @@
           <a:p>
             <a:fld id="{BCAEA65C-F05F-4E5F-A1EF-4B33EC4C2E2B}" type="datetimeFigureOut">
               <a:rPr lang="es-CO" smtClean="0"/>
-              <a:t>13/08/2021</a:t>
+              <a:t>16/08/2021</a:t>
             </a:fld>
             <a:endParaRPr lang="es-CO"/>
           </a:p>
@@ -2779,7 +2808,7 @@
           <a:p>
             <a:fld id="{BCAEA65C-F05F-4E5F-A1EF-4B33EC4C2E2B}" type="datetimeFigureOut">
               <a:rPr lang="es-CO" smtClean="0"/>
-              <a:t>13/08/2021</a:t>
+              <a:t>16/08/2021</a:t>
             </a:fld>
             <a:endParaRPr lang="es-CO"/>
           </a:p>
@@ -2953,7 +2982,7 @@
           <a:p>
             <a:fld id="{BCAEA65C-F05F-4E5F-A1EF-4B33EC4C2E2B}" type="datetimeFigureOut">
               <a:rPr lang="es-CO" smtClean="0"/>
-              <a:t>13/08/2021</a:t>
+              <a:t>16/08/2021</a:t>
             </a:fld>
             <a:endParaRPr lang="es-CO"/>
           </a:p>
@@ -3133,7 +3162,7 @@
           <a:p>
             <a:fld id="{BCAEA65C-F05F-4E5F-A1EF-4B33EC4C2E2B}" type="datetimeFigureOut">
               <a:rPr lang="es-CO" smtClean="0"/>
-              <a:t>13/08/2021</a:t>
+              <a:t>16/08/2021</a:t>
             </a:fld>
             <a:endParaRPr lang="es-CO"/>
           </a:p>
@@ -3303,7 +3332,7 @@
           <a:p>
             <a:fld id="{BCAEA65C-F05F-4E5F-A1EF-4B33EC4C2E2B}" type="datetimeFigureOut">
               <a:rPr lang="es-CO" smtClean="0"/>
-              <a:t>13/08/2021</a:t>
+              <a:t>16/08/2021</a:t>
             </a:fld>
             <a:endParaRPr lang="es-CO"/>
           </a:p>
@@ -3554,7 +3583,7 @@
           <a:p>
             <a:fld id="{BCAEA65C-F05F-4E5F-A1EF-4B33EC4C2E2B}" type="datetimeFigureOut">
               <a:rPr lang="es-CO" smtClean="0"/>
-              <a:t>13/08/2021</a:t>
+              <a:t>16/08/2021</a:t>
             </a:fld>
             <a:endParaRPr lang="es-CO"/>
           </a:p>
@@ -3851,7 +3880,7 @@
           <a:p>
             <a:fld id="{BCAEA65C-F05F-4E5F-A1EF-4B33EC4C2E2B}" type="datetimeFigureOut">
               <a:rPr lang="es-CO" smtClean="0"/>
-              <a:t>13/08/2021</a:t>
+              <a:t>16/08/2021</a:t>
             </a:fld>
             <a:endParaRPr lang="es-CO"/>
           </a:p>
@@ -4293,7 +4322,7 @@
           <a:p>
             <a:fld id="{BCAEA65C-F05F-4E5F-A1EF-4B33EC4C2E2B}" type="datetimeFigureOut">
               <a:rPr lang="es-CO" smtClean="0"/>
-              <a:t>13/08/2021</a:t>
+              <a:t>16/08/2021</a:t>
             </a:fld>
             <a:endParaRPr lang="es-CO"/>
           </a:p>
@@ -4411,7 +4440,7 @@
           <a:p>
             <a:fld id="{BCAEA65C-F05F-4E5F-A1EF-4B33EC4C2E2B}" type="datetimeFigureOut">
               <a:rPr lang="es-CO" smtClean="0"/>
-              <a:t>13/08/2021</a:t>
+              <a:t>16/08/2021</a:t>
             </a:fld>
             <a:endParaRPr lang="es-CO"/>
           </a:p>
@@ -4506,7 +4535,7 @@
           <a:p>
             <a:fld id="{BCAEA65C-F05F-4E5F-A1EF-4B33EC4C2E2B}" type="datetimeFigureOut">
               <a:rPr lang="es-CO" smtClean="0"/>
-              <a:t>13/08/2021</a:t>
+              <a:t>16/08/2021</a:t>
             </a:fld>
             <a:endParaRPr lang="es-CO"/>
           </a:p>
@@ -4789,7 +4818,7 @@
           <a:p>
             <a:fld id="{BCAEA65C-F05F-4E5F-A1EF-4B33EC4C2E2B}" type="datetimeFigureOut">
               <a:rPr lang="es-CO" smtClean="0"/>
-              <a:t>13/08/2021</a:t>
+              <a:t>16/08/2021</a:t>
             </a:fld>
             <a:endParaRPr lang="es-CO"/>
           </a:p>
@@ -5080,7 +5109,7 @@
           <a:p>
             <a:fld id="{BCAEA65C-F05F-4E5F-A1EF-4B33EC4C2E2B}" type="datetimeFigureOut">
               <a:rPr lang="es-CO" smtClean="0"/>
-              <a:t>13/08/2021</a:t>
+              <a:t>16/08/2021</a:t>
             </a:fld>
             <a:endParaRPr lang="es-CO"/>
           </a:p>
@@ -5610,7 +5639,7 @@
           <a:p>
             <a:fld id="{BCAEA65C-F05F-4E5F-A1EF-4B33EC4C2E2B}" type="datetimeFigureOut">
               <a:rPr lang="es-CO" smtClean="0"/>
-              <a:t>13/08/2021</a:t>
+              <a:t>16/08/2021</a:t>
             </a:fld>
             <a:endParaRPr lang="es-CO"/>
           </a:p>
@@ -7227,7 +7256,7 @@
         </p:nvSpPr>
         <p:spPr>
           <a:xfrm>
-            <a:off x="3444025" y="3180423"/>
+            <a:off x="3393342" y="3242735"/>
             <a:ext cx="1407886" cy="646331"/>
           </a:xfrm>
           <a:prstGeom prst="rect">

--- a/Documentos/MICROSERVICIOS.pptx
+++ b/Documentos/MICROSERVICIOS.pptx
@@ -6444,7 +6444,7 @@
           <a:lstStyle/>
           <a:p>
             <a:r>
-              <a:rPr lang="es-CO" dirty="0"/>
+              <a:rPr lang="es-CO" sz="4400" dirty="0"/>
               <a:t>¿Qué son los microservicios?</a:t>
             </a:r>
             <a:br>
